--- a/Apresentação.pptx
+++ b/Apresentação.pptx
@@ -114,7 +114,7 @@
   </p:defaultTextStyle>
   <p:extLst>
     <p:ext uri="{EFAFB233-063F-42B5-8137-9DF3F51BA10A}">
-      <p15:sldGuideLst xmlns:p15="http://schemas.microsoft.com/office/powerpoint/2012/main"/>
+      <p15:sldGuideLst xmlns:p15="http://schemas.microsoft.com/office/powerpoint/2012/main" xmlns=""/>
     </p:ext>
   </p:extLst>
 </p:presentation>
@@ -865,7 +865,7 @@
           <a:p>
             <a:fld id="{5CB472F2-C414-46FA-830E-05EBB227CCF4}" type="datetimeFigureOut">
               <a:rPr lang="pt-BR" smtClean="0"/>
-              <a:t>30/11/2020</a:t>
+              <a:t>06/12/2020</a:t>
             </a:fld>
             <a:endParaRPr lang="pt-BR"/>
           </a:p>
@@ -907,7 +907,7 @@
           <a:p>
             <a:fld id="{1B60CDE2-E640-4030-90F0-2535D6A7A395}" type="slidenum">
               <a:rPr lang="pt-BR" smtClean="0"/>
-              <a:t>‹nº›</a:t>
+              <a:t>‹#›</a:t>
             </a:fld>
             <a:endParaRPr lang="pt-BR"/>
           </a:p>
@@ -1116,7 +1116,7 @@
           <a:p>
             <a:fld id="{5CB472F2-C414-46FA-830E-05EBB227CCF4}" type="datetimeFigureOut">
               <a:rPr lang="pt-BR" smtClean="0"/>
-              <a:t>30/11/2020</a:t>
+              <a:t>06/12/2020</a:t>
             </a:fld>
             <a:endParaRPr lang="pt-BR"/>
           </a:p>
@@ -1158,7 +1158,7 @@
           <a:p>
             <a:fld id="{1B60CDE2-E640-4030-90F0-2535D6A7A395}" type="slidenum">
               <a:rPr lang="pt-BR" smtClean="0"/>
-              <a:t>‹nº›</a:t>
+              <a:t>‹#›</a:t>
             </a:fld>
             <a:endParaRPr lang="pt-BR"/>
           </a:p>
@@ -1430,7 +1430,7 @@
           <a:p>
             <a:fld id="{5CB472F2-C414-46FA-830E-05EBB227CCF4}" type="datetimeFigureOut">
               <a:rPr lang="pt-BR" smtClean="0"/>
-              <a:t>30/11/2020</a:t>
+              <a:t>06/12/2020</a:t>
             </a:fld>
             <a:endParaRPr lang="pt-BR"/>
           </a:p>
@@ -1472,7 +1472,7 @@
           <a:p>
             <a:fld id="{1B60CDE2-E640-4030-90F0-2535D6A7A395}" type="slidenum">
               <a:rPr lang="pt-BR" smtClean="0"/>
-              <a:t>‹nº›</a:t>
+              <a:t>‹#›</a:t>
             </a:fld>
             <a:endParaRPr lang="pt-BR"/>
           </a:p>
@@ -1763,7 +1763,7 @@
           <a:p>
             <a:fld id="{5CB472F2-C414-46FA-830E-05EBB227CCF4}" type="datetimeFigureOut">
               <a:rPr lang="pt-BR" smtClean="0"/>
-              <a:t>30/11/2020</a:t>
+              <a:t>06/12/2020</a:t>
             </a:fld>
             <a:endParaRPr lang="pt-BR"/>
           </a:p>
@@ -1805,7 +1805,7 @@
           <a:p>
             <a:fld id="{1B60CDE2-E640-4030-90F0-2535D6A7A395}" type="slidenum">
               <a:rPr lang="pt-BR" smtClean="0"/>
-              <a:t>‹nº›</a:t>
+              <a:t>‹#›</a:t>
             </a:fld>
             <a:endParaRPr lang="pt-BR"/>
           </a:p>
@@ -2077,7 +2077,7 @@
           <a:p>
             <a:fld id="{5CB472F2-C414-46FA-830E-05EBB227CCF4}" type="datetimeFigureOut">
               <a:rPr lang="pt-BR" smtClean="0"/>
-              <a:t>30/11/2020</a:t>
+              <a:t>06/12/2020</a:t>
             </a:fld>
             <a:endParaRPr lang="pt-BR"/>
           </a:p>
@@ -2119,7 +2119,7 @@
           <a:p>
             <a:fld id="{1B60CDE2-E640-4030-90F0-2535D6A7A395}" type="slidenum">
               <a:rPr lang="pt-BR" smtClean="0"/>
-              <a:t>‹nº›</a:t>
+              <a:t>‹#›</a:t>
             </a:fld>
             <a:endParaRPr lang="pt-BR"/>
           </a:p>
@@ -2470,7 +2470,7 @@
           <a:p>
             <a:fld id="{5CB472F2-C414-46FA-830E-05EBB227CCF4}" type="datetimeFigureOut">
               <a:rPr lang="pt-BR" smtClean="0"/>
-              <a:t>30/11/2020</a:t>
+              <a:t>06/12/2020</a:t>
             </a:fld>
             <a:endParaRPr lang="pt-BR"/>
           </a:p>
@@ -2512,7 +2512,7 @@
           <a:p>
             <a:fld id="{1B60CDE2-E640-4030-90F0-2535D6A7A395}" type="slidenum">
               <a:rPr lang="pt-BR" smtClean="0"/>
-              <a:t>‹nº›</a:t>
+              <a:t>‹#›</a:t>
             </a:fld>
             <a:endParaRPr lang="pt-BR"/>
           </a:p>
@@ -2640,7 +2640,7 @@
           <a:p>
             <a:fld id="{5CB472F2-C414-46FA-830E-05EBB227CCF4}" type="datetimeFigureOut">
               <a:rPr lang="pt-BR" smtClean="0"/>
-              <a:t>30/11/2020</a:t>
+              <a:t>06/12/2020</a:t>
             </a:fld>
             <a:endParaRPr lang="pt-BR"/>
           </a:p>
@@ -2682,7 +2682,7 @@
           <a:p>
             <a:fld id="{1B60CDE2-E640-4030-90F0-2535D6A7A395}" type="slidenum">
               <a:rPr lang="pt-BR" smtClean="0"/>
-              <a:t>‹nº›</a:t>
+              <a:t>‹#›</a:t>
             </a:fld>
             <a:endParaRPr lang="pt-BR"/>
           </a:p>
@@ -2820,7 +2820,7 @@
           <a:p>
             <a:fld id="{5CB472F2-C414-46FA-830E-05EBB227CCF4}" type="datetimeFigureOut">
               <a:rPr lang="pt-BR" smtClean="0"/>
-              <a:t>30/11/2020</a:t>
+              <a:t>06/12/2020</a:t>
             </a:fld>
             <a:endParaRPr lang="pt-BR"/>
           </a:p>
@@ -2862,7 +2862,7 @@
           <a:p>
             <a:fld id="{1B60CDE2-E640-4030-90F0-2535D6A7A395}" type="slidenum">
               <a:rPr lang="pt-BR" smtClean="0"/>
-              <a:t>‹nº›</a:t>
+              <a:t>‹#›</a:t>
             </a:fld>
             <a:endParaRPr lang="pt-BR"/>
           </a:p>
@@ -2990,7 +2990,7 @@
           <a:p>
             <a:fld id="{5CB472F2-C414-46FA-830E-05EBB227CCF4}" type="datetimeFigureOut">
               <a:rPr lang="pt-BR" smtClean="0"/>
-              <a:t>30/11/2020</a:t>
+              <a:t>06/12/2020</a:t>
             </a:fld>
             <a:endParaRPr lang="pt-BR"/>
           </a:p>
@@ -3032,7 +3032,7 @@
           <a:p>
             <a:fld id="{1B60CDE2-E640-4030-90F0-2535D6A7A395}" type="slidenum">
               <a:rPr lang="pt-BR" smtClean="0"/>
-              <a:t>‹nº›</a:t>
+              <a:t>‹#›</a:t>
             </a:fld>
             <a:endParaRPr lang="pt-BR"/>
           </a:p>
@@ -3237,7 +3237,7 @@
           <a:p>
             <a:fld id="{5CB472F2-C414-46FA-830E-05EBB227CCF4}" type="datetimeFigureOut">
               <a:rPr lang="pt-BR" smtClean="0"/>
-              <a:t>30/11/2020</a:t>
+              <a:t>06/12/2020</a:t>
             </a:fld>
             <a:endParaRPr lang="pt-BR"/>
           </a:p>
@@ -3279,7 +3279,7 @@
           <a:p>
             <a:fld id="{1B60CDE2-E640-4030-90F0-2535D6A7A395}" type="slidenum">
               <a:rPr lang="pt-BR" smtClean="0"/>
-              <a:t>‹nº›</a:t>
+              <a:t>‹#›</a:t>
             </a:fld>
             <a:endParaRPr lang="pt-BR"/>
           </a:p>
@@ -3469,7 +3469,7 @@
           <a:p>
             <a:fld id="{5CB472F2-C414-46FA-830E-05EBB227CCF4}" type="datetimeFigureOut">
               <a:rPr lang="pt-BR" smtClean="0"/>
-              <a:t>30/11/2020</a:t>
+              <a:t>06/12/2020</a:t>
             </a:fld>
             <a:endParaRPr lang="pt-BR"/>
           </a:p>
@@ -3511,7 +3511,7 @@
           <a:p>
             <a:fld id="{1B60CDE2-E640-4030-90F0-2535D6A7A395}" type="slidenum">
               <a:rPr lang="pt-BR" smtClean="0"/>
-              <a:t>‹nº›</a:t>
+              <a:t>‹#›</a:t>
             </a:fld>
             <a:endParaRPr lang="pt-BR"/>
           </a:p>
@@ -3843,7 +3843,7 @@
           <a:p>
             <a:fld id="{5CB472F2-C414-46FA-830E-05EBB227CCF4}" type="datetimeFigureOut">
               <a:rPr lang="pt-BR" smtClean="0"/>
-              <a:t>30/11/2020</a:t>
+              <a:t>06/12/2020</a:t>
             </a:fld>
             <a:endParaRPr lang="pt-BR"/>
           </a:p>
@@ -3885,7 +3885,7 @@
           <a:p>
             <a:fld id="{1B60CDE2-E640-4030-90F0-2535D6A7A395}" type="slidenum">
               <a:rPr lang="pt-BR" smtClean="0"/>
-              <a:t>‹nº›</a:t>
+              <a:t>‹#›</a:t>
             </a:fld>
             <a:endParaRPr lang="pt-BR"/>
           </a:p>
@@ -3966,7 +3966,7 @@
           <a:p>
             <a:fld id="{5CB472F2-C414-46FA-830E-05EBB227CCF4}" type="datetimeFigureOut">
               <a:rPr lang="pt-BR" smtClean="0"/>
-              <a:t>30/11/2020</a:t>
+              <a:t>06/12/2020</a:t>
             </a:fld>
             <a:endParaRPr lang="pt-BR"/>
           </a:p>
@@ -4008,7 +4008,7 @@
           <a:p>
             <a:fld id="{1B60CDE2-E640-4030-90F0-2535D6A7A395}" type="slidenum">
               <a:rPr lang="pt-BR" smtClean="0"/>
-              <a:t>‹nº›</a:t>
+              <a:t>‹#›</a:t>
             </a:fld>
             <a:endParaRPr lang="pt-BR"/>
           </a:p>
@@ -4061,7 +4061,7 @@
           <a:p>
             <a:fld id="{5CB472F2-C414-46FA-830E-05EBB227CCF4}" type="datetimeFigureOut">
               <a:rPr lang="pt-BR" smtClean="0"/>
-              <a:t>30/11/2020</a:t>
+              <a:t>06/12/2020</a:t>
             </a:fld>
             <a:endParaRPr lang="pt-BR"/>
           </a:p>
@@ -4103,7 +4103,7 @@
           <a:p>
             <a:fld id="{1B60CDE2-E640-4030-90F0-2535D6A7A395}" type="slidenum">
               <a:rPr lang="pt-BR" smtClean="0"/>
-              <a:t>‹nº›</a:t>
+              <a:t>‹#›</a:t>
             </a:fld>
             <a:endParaRPr lang="pt-BR"/>
           </a:p>
@@ -4316,7 +4316,7 @@
           <a:p>
             <a:fld id="{5CB472F2-C414-46FA-830E-05EBB227CCF4}" type="datetimeFigureOut">
               <a:rPr lang="pt-BR" smtClean="0"/>
-              <a:t>30/11/2020</a:t>
+              <a:t>06/12/2020</a:t>
             </a:fld>
             <a:endParaRPr lang="pt-BR"/>
           </a:p>
@@ -4358,7 +4358,7 @@
           <a:p>
             <a:fld id="{1B60CDE2-E640-4030-90F0-2535D6A7A395}" type="slidenum">
               <a:rPr lang="pt-BR" smtClean="0"/>
-              <a:t>‹nº›</a:t>
+              <a:t>‹#›</a:t>
             </a:fld>
             <a:endParaRPr lang="pt-BR"/>
           </a:p>
@@ -4598,7 +4598,7 @@
           <a:p>
             <a:fld id="{1B60CDE2-E640-4030-90F0-2535D6A7A395}" type="slidenum">
               <a:rPr lang="pt-BR" smtClean="0"/>
-              <a:t>‹nº›</a:t>
+              <a:t>‹#›</a:t>
             </a:fld>
             <a:endParaRPr lang="pt-BR"/>
           </a:p>
@@ -4621,7 +4621,7 @@
           <a:p>
             <a:fld id="{5CB472F2-C414-46FA-830E-05EBB227CCF4}" type="datetimeFigureOut">
               <a:rPr lang="pt-BR" smtClean="0"/>
-              <a:t>30/11/2020</a:t>
+              <a:t>06/12/2020</a:t>
             </a:fld>
             <a:endParaRPr lang="pt-BR"/>
           </a:p>
@@ -5323,7 +5323,7 @@
           <a:p>
             <a:fld id="{5CB472F2-C414-46FA-830E-05EBB227CCF4}" type="datetimeFigureOut">
               <a:rPr lang="pt-BR" smtClean="0"/>
-              <a:t>30/11/2020</a:t>
+              <a:t>06/12/2020</a:t>
             </a:fld>
             <a:endParaRPr lang="pt-BR"/>
           </a:p>
@@ -5399,7 +5399,7 @@
           <a:p>
             <a:fld id="{1B60CDE2-E640-4030-90F0-2535D6A7A395}" type="slidenum">
               <a:rPr lang="pt-BR" smtClean="0"/>
-              <a:t>‹nº›</a:t>
+              <a:t>‹#›</a:t>
             </a:fld>
             <a:endParaRPr lang="pt-BR"/>
           </a:p>
@@ -5852,7 +5852,7 @@
           <p:cNvPr id="2" name="Título 1">
             <a:extLst>
               <a:ext uri="{FF2B5EF4-FFF2-40B4-BE49-F238E27FC236}">
-                <a16:creationId xmlns:a16="http://schemas.microsoft.com/office/drawing/2014/main" id="{DD89D0A4-246C-4492-AD92-0E7516FDC7B4}"/>
+                <a16:creationId xmlns:a16="http://schemas.microsoft.com/office/drawing/2014/main" xmlns="" id="{DD89D0A4-246C-4492-AD92-0E7516FDC7B4}"/>
               </a:ext>
             </a:extLst>
           </p:cNvPr>
@@ -5887,7 +5887,7 @@
           <p:cNvPr id="3" name="Subtítulo 2">
             <a:extLst>
               <a:ext uri="{FF2B5EF4-FFF2-40B4-BE49-F238E27FC236}">
-                <a16:creationId xmlns:a16="http://schemas.microsoft.com/office/drawing/2014/main" id="{6B04F977-C113-4089-A10B-17BCB1FF3856}"/>
+                <a16:creationId xmlns:a16="http://schemas.microsoft.com/office/drawing/2014/main" xmlns="" id="{6B04F977-C113-4089-A10B-17BCB1FF3856}"/>
               </a:ext>
             </a:extLst>
           </p:cNvPr>
@@ -5995,6 +5995,16 @@
               </a:rPr>
               <a:t> script (essas linguagens foram também, as influências de Perl). </a:t>
             </a:r>
+            <a:r>
+              <a:rPr lang="pt-BR" b="0" i="0" dirty="0">
+                <a:solidFill>
+                  <a:schemeClr val="tx1"/>
+                </a:solidFill>
+                <a:effectLst/>
+                <a:latin typeface="Roboto"/>
+              </a:rPr>
+              <a:t/>
+            </a:r>
             <a:br>
               <a:rPr lang="pt-BR" b="0" i="0" dirty="0">
                 <a:solidFill>
@@ -6017,7 +6027,7 @@
           <p:cNvPr id="4" name="Content Placeholder 3">
             <a:extLst>
               <a:ext uri="{FF2B5EF4-FFF2-40B4-BE49-F238E27FC236}">
-                <a16:creationId xmlns:a16="http://schemas.microsoft.com/office/drawing/2014/main" id="{55D50F46-B25B-4E4C-8E26-890CEB7C8684}"/>
+                <a16:creationId xmlns:a16="http://schemas.microsoft.com/office/drawing/2014/main" xmlns="" id="{55D50F46-B25B-4E4C-8E26-890CEB7C8684}"/>
               </a:ext>
             </a:extLst>
           </p:cNvPr>
@@ -6083,7 +6093,7 @@
           <p:cNvPr id="2" name="Título 1">
             <a:extLst>
               <a:ext uri="{FF2B5EF4-FFF2-40B4-BE49-F238E27FC236}">
-                <a16:creationId xmlns:a16="http://schemas.microsoft.com/office/drawing/2014/main" id="{DD89D0A4-246C-4492-AD92-0E7516FDC7B4}"/>
+                <a16:creationId xmlns:a16="http://schemas.microsoft.com/office/drawing/2014/main" xmlns="" id="{DD89D0A4-246C-4492-AD92-0E7516FDC7B4}"/>
               </a:ext>
             </a:extLst>
           </p:cNvPr>
@@ -6118,7 +6128,7 @@
           <p:cNvPr id="3" name="Subtítulo 2">
             <a:extLst>
               <a:ext uri="{FF2B5EF4-FFF2-40B4-BE49-F238E27FC236}">
-                <a16:creationId xmlns:a16="http://schemas.microsoft.com/office/drawing/2014/main" id="{6B04F977-C113-4089-A10B-17BCB1FF3856}"/>
+                <a16:creationId xmlns:a16="http://schemas.microsoft.com/office/drawing/2014/main" xmlns="" id="{6B04F977-C113-4089-A10B-17BCB1FF3856}"/>
               </a:ext>
             </a:extLst>
           </p:cNvPr>
@@ -6228,7 +6238,7 @@
           <p:cNvPr id="4" name="Content Placeholder 3">
             <a:extLst>
               <a:ext uri="{FF2B5EF4-FFF2-40B4-BE49-F238E27FC236}">
-                <a16:creationId xmlns:a16="http://schemas.microsoft.com/office/drawing/2014/main" id="{55D50F46-B25B-4E4C-8E26-890CEB7C8684}"/>
+                <a16:creationId xmlns:a16="http://schemas.microsoft.com/office/drawing/2014/main" xmlns="" id="{55D50F46-B25B-4E4C-8E26-890CEB7C8684}"/>
               </a:ext>
             </a:extLst>
           </p:cNvPr>
@@ -6294,7 +6304,7 @@
           <p:cNvPr id="2" name="Título 1">
             <a:extLst>
               <a:ext uri="{FF2B5EF4-FFF2-40B4-BE49-F238E27FC236}">
-                <a16:creationId xmlns:a16="http://schemas.microsoft.com/office/drawing/2014/main" id="{DD89D0A4-246C-4492-AD92-0E7516FDC7B4}"/>
+                <a16:creationId xmlns:a16="http://schemas.microsoft.com/office/drawing/2014/main" xmlns="" id="{DD89D0A4-246C-4492-AD92-0E7516FDC7B4}"/>
               </a:ext>
             </a:extLst>
           </p:cNvPr>
@@ -6350,7 +6360,7 @@
           <p:cNvPr id="3" name="Subtítulo 2">
             <a:extLst>
               <a:ext uri="{FF2B5EF4-FFF2-40B4-BE49-F238E27FC236}">
-                <a16:creationId xmlns:a16="http://schemas.microsoft.com/office/drawing/2014/main" id="{6B04F977-C113-4089-A10B-17BCB1FF3856}"/>
+                <a16:creationId xmlns:a16="http://schemas.microsoft.com/office/drawing/2014/main" xmlns="" id="{6B04F977-C113-4089-A10B-17BCB1FF3856}"/>
               </a:ext>
             </a:extLst>
           </p:cNvPr>
@@ -6510,7 +6520,7 @@
           <p:cNvPr id="4" name="Content Placeholder 3">
             <a:extLst>
               <a:ext uri="{FF2B5EF4-FFF2-40B4-BE49-F238E27FC236}">
-                <a16:creationId xmlns:a16="http://schemas.microsoft.com/office/drawing/2014/main" id="{55D50F46-B25B-4E4C-8E26-890CEB7C8684}"/>
+                <a16:creationId xmlns:a16="http://schemas.microsoft.com/office/drawing/2014/main" xmlns="" id="{55D50F46-B25B-4E4C-8E26-890CEB7C8684}"/>
               </a:ext>
             </a:extLst>
           </p:cNvPr>
@@ -6546,7 +6556,7 @@
           <p:cNvPr id="5" name="Picture 4">
             <a:extLst>
               <a:ext uri="{FF2B5EF4-FFF2-40B4-BE49-F238E27FC236}">
-                <a16:creationId xmlns:a16="http://schemas.microsoft.com/office/drawing/2014/main" id="{EDC1E1C5-4ED8-42EE-B96C-0F4A053CD8DC}"/>
+                <a16:creationId xmlns:a16="http://schemas.microsoft.com/office/drawing/2014/main" xmlns="" id="{EDC1E1C5-4ED8-42EE-B96C-0F4A053CD8DC}"/>
               </a:ext>
             </a:extLst>
           </p:cNvPr>
@@ -6612,7 +6622,7 @@
           <p:cNvPr id="2" name="Título 1">
             <a:extLst>
               <a:ext uri="{FF2B5EF4-FFF2-40B4-BE49-F238E27FC236}">
-                <a16:creationId xmlns:a16="http://schemas.microsoft.com/office/drawing/2014/main" id="{DD89D0A4-246C-4492-AD92-0E7516FDC7B4}"/>
+                <a16:creationId xmlns:a16="http://schemas.microsoft.com/office/drawing/2014/main" xmlns="" id="{DD89D0A4-246C-4492-AD92-0E7516FDC7B4}"/>
               </a:ext>
             </a:extLst>
           </p:cNvPr>
@@ -6656,7 +6666,7 @@
           <p:cNvPr id="4" name="Content Placeholder 3">
             <a:extLst>
               <a:ext uri="{FF2B5EF4-FFF2-40B4-BE49-F238E27FC236}">
-                <a16:creationId xmlns:a16="http://schemas.microsoft.com/office/drawing/2014/main" id="{55D50F46-B25B-4E4C-8E26-890CEB7C8684}"/>
+                <a16:creationId xmlns:a16="http://schemas.microsoft.com/office/drawing/2014/main" xmlns="" id="{55D50F46-B25B-4E4C-8E26-890CEB7C8684}"/>
               </a:ext>
             </a:extLst>
           </p:cNvPr>
@@ -6692,7 +6702,7 @@
           <p:cNvPr id="6" name="Picture 2">
             <a:extLst>
               <a:ext uri="{FF2B5EF4-FFF2-40B4-BE49-F238E27FC236}">
-                <a16:creationId xmlns:a16="http://schemas.microsoft.com/office/drawing/2014/main" id="{8E384219-9BE1-41E3-B445-FDB983748583}"/>
+                <a16:creationId xmlns:a16="http://schemas.microsoft.com/office/drawing/2014/main" xmlns="" id="{8E384219-9BE1-41E3-B445-FDB983748583}"/>
               </a:ext>
             </a:extLst>
           </p:cNvPr>
@@ -6728,7 +6738,7 @@
           <p:cNvPr id="5" name="Conector de Seta Reta 4">
             <a:extLst>
               <a:ext uri="{FF2B5EF4-FFF2-40B4-BE49-F238E27FC236}">
-                <a16:creationId xmlns:a16="http://schemas.microsoft.com/office/drawing/2014/main" id="{98E0C0AD-D91E-4F68-BE7A-02604ABBE92B}"/>
+                <a16:creationId xmlns:a16="http://schemas.microsoft.com/office/drawing/2014/main" xmlns="" id="{98E0C0AD-D91E-4F68-BE7A-02604ABBE92B}"/>
               </a:ext>
             </a:extLst>
           </p:cNvPr>
@@ -6767,7 +6777,7 @@
           <p:cNvPr id="7" name="CaixaDeTexto 6">
             <a:extLst>
               <a:ext uri="{FF2B5EF4-FFF2-40B4-BE49-F238E27FC236}">
-                <a16:creationId xmlns:a16="http://schemas.microsoft.com/office/drawing/2014/main" id="{9A3E4CF4-250A-4319-A1AF-631FA5F2C965}"/>
+                <a16:creationId xmlns:a16="http://schemas.microsoft.com/office/drawing/2014/main" xmlns="" id="{9A3E4CF4-250A-4319-A1AF-631FA5F2C965}"/>
               </a:ext>
             </a:extLst>
           </p:cNvPr>
@@ -6840,7 +6850,7 @@
           <p:cNvPr id="2" name="Título 1">
             <a:extLst>
               <a:ext uri="{FF2B5EF4-FFF2-40B4-BE49-F238E27FC236}">
-                <a16:creationId xmlns:a16="http://schemas.microsoft.com/office/drawing/2014/main" id="{DD89D0A4-246C-4492-AD92-0E7516FDC7B4}"/>
+                <a16:creationId xmlns:a16="http://schemas.microsoft.com/office/drawing/2014/main" xmlns="" id="{DD89D0A4-246C-4492-AD92-0E7516FDC7B4}"/>
               </a:ext>
             </a:extLst>
           </p:cNvPr>
@@ -6884,7 +6894,7 @@
           <p:cNvPr id="4" name="Content Placeholder 3">
             <a:extLst>
               <a:ext uri="{FF2B5EF4-FFF2-40B4-BE49-F238E27FC236}">
-                <a16:creationId xmlns:a16="http://schemas.microsoft.com/office/drawing/2014/main" id="{55D50F46-B25B-4E4C-8E26-890CEB7C8684}"/>
+                <a16:creationId xmlns:a16="http://schemas.microsoft.com/office/drawing/2014/main" xmlns="" id="{55D50F46-B25B-4E4C-8E26-890CEB7C8684}"/>
               </a:ext>
             </a:extLst>
           </p:cNvPr>
@@ -6920,7 +6930,7 @@
           <p:cNvPr id="6" name="Picture 2">
             <a:extLst>
               <a:ext uri="{FF2B5EF4-FFF2-40B4-BE49-F238E27FC236}">
-                <a16:creationId xmlns:a16="http://schemas.microsoft.com/office/drawing/2014/main" id="{8E384219-9BE1-41E3-B445-FDB983748583}"/>
+                <a16:creationId xmlns:a16="http://schemas.microsoft.com/office/drawing/2014/main" xmlns="" id="{8E384219-9BE1-41E3-B445-FDB983748583}"/>
               </a:ext>
             </a:extLst>
           </p:cNvPr>
@@ -6956,7 +6966,7 @@
           <p:cNvPr id="5" name="Conector de Seta Reta 4">
             <a:extLst>
               <a:ext uri="{FF2B5EF4-FFF2-40B4-BE49-F238E27FC236}">
-                <a16:creationId xmlns:a16="http://schemas.microsoft.com/office/drawing/2014/main" id="{98E0C0AD-D91E-4F68-BE7A-02604ABBE92B}"/>
+                <a16:creationId xmlns:a16="http://schemas.microsoft.com/office/drawing/2014/main" xmlns="" id="{98E0C0AD-D91E-4F68-BE7A-02604ABBE92B}"/>
               </a:ext>
             </a:extLst>
           </p:cNvPr>
@@ -6997,7 +7007,7 @@
           <p:cNvPr id="7" name="CaixaDeTexto 6">
             <a:extLst>
               <a:ext uri="{FF2B5EF4-FFF2-40B4-BE49-F238E27FC236}">
-                <a16:creationId xmlns:a16="http://schemas.microsoft.com/office/drawing/2014/main" id="{9A3E4CF4-250A-4319-A1AF-631FA5F2C965}"/>
+                <a16:creationId xmlns:a16="http://schemas.microsoft.com/office/drawing/2014/main" xmlns="" id="{9A3E4CF4-250A-4319-A1AF-631FA5F2C965}"/>
               </a:ext>
             </a:extLst>
           </p:cNvPr>
@@ -7078,7 +7088,7 @@
           <p:cNvPr id="2" name="Título 1">
             <a:extLst>
               <a:ext uri="{FF2B5EF4-FFF2-40B4-BE49-F238E27FC236}">
-                <a16:creationId xmlns:a16="http://schemas.microsoft.com/office/drawing/2014/main" id="{DD89D0A4-246C-4492-AD92-0E7516FDC7B4}"/>
+                <a16:creationId xmlns:a16="http://schemas.microsoft.com/office/drawing/2014/main" xmlns="" id="{DD89D0A4-246C-4492-AD92-0E7516FDC7B4}"/>
               </a:ext>
             </a:extLst>
           </p:cNvPr>
@@ -7122,7 +7132,7 @@
           <p:cNvPr id="4" name="Content Placeholder 3">
             <a:extLst>
               <a:ext uri="{FF2B5EF4-FFF2-40B4-BE49-F238E27FC236}">
-                <a16:creationId xmlns:a16="http://schemas.microsoft.com/office/drawing/2014/main" id="{55D50F46-B25B-4E4C-8E26-890CEB7C8684}"/>
+                <a16:creationId xmlns:a16="http://schemas.microsoft.com/office/drawing/2014/main" xmlns="" id="{55D50F46-B25B-4E4C-8E26-890CEB7C8684}"/>
               </a:ext>
             </a:extLst>
           </p:cNvPr>
@@ -7158,7 +7168,7 @@
           <p:cNvPr id="6" name="Picture 2">
             <a:extLst>
               <a:ext uri="{FF2B5EF4-FFF2-40B4-BE49-F238E27FC236}">
-                <a16:creationId xmlns:a16="http://schemas.microsoft.com/office/drawing/2014/main" id="{8E384219-9BE1-41E3-B445-FDB983748583}"/>
+                <a16:creationId xmlns:a16="http://schemas.microsoft.com/office/drawing/2014/main" xmlns="" id="{8E384219-9BE1-41E3-B445-FDB983748583}"/>
               </a:ext>
             </a:extLst>
           </p:cNvPr>
@@ -7194,7 +7204,7 @@
           <p:cNvPr id="5" name="Conector de Seta Reta 4">
             <a:extLst>
               <a:ext uri="{FF2B5EF4-FFF2-40B4-BE49-F238E27FC236}">
-                <a16:creationId xmlns:a16="http://schemas.microsoft.com/office/drawing/2014/main" id="{98E0C0AD-D91E-4F68-BE7A-02604ABBE92B}"/>
+                <a16:creationId xmlns:a16="http://schemas.microsoft.com/office/drawing/2014/main" xmlns="" id="{98E0C0AD-D91E-4F68-BE7A-02604ABBE92B}"/>
               </a:ext>
             </a:extLst>
           </p:cNvPr>
@@ -7233,7 +7243,7 @@
           <p:cNvPr id="7" name="CaixaDeTexto 6">
             <a:extLst>
               <a:ext uri="{FF2B5EF4-FFF2-40B4-BE49-F238E27FC236}">
-                <a16:creationId xmlns:a16="http://schemas.microsoft.com/office/drawing/2014/main" id="{9A3E4CF4-250A-4319-A1AF-631FA5F2C965}"/>
+                <a16:creationId xmlns:a16="http://schemas.microsoft.com/office/drawing/2014/main" xmlns="" id="{9A3E4CF4-250A-4319-A1AF-631FA5F2C965}"/>
               </a:ext>
             </a:extLst>
           </p:cNvPr>
@@ -7306,7 +7316,7 @@
           <p:cNvPr id="2" name="Título 1">
             <a:extLst>
               <a:ext uri="{FF2B5EF4-FFF2-40B4-BE49-F238E27FC236}">
-                <a16:creationId xmlns:a16="http://schemas.microsoft.com/office/drawing/2014/main" id="{DD89D0A4-246C-4492-AD92-0E7516FDC7B4}"/>
+                <a16:creationId xmlns:a16="http://schemas.microsoft.com/office/drawing/2014/main" xmlns="" id="{DD89D0A4-246C-4492-AD92-0E7516FDC7B4}"/>
               </a:ext>
             </a:extLst>
           </p:cNvPr>
@@ -7371,7 +7381,7 @@
           <p:cNvPr id="4" name="Content Placeholder 3">
             <a:extLst>
               <a:ext uri="{FF2B5EF4-FFF2-40B4-BE49-F238E27FC236}">
-                <a16:creationId xmlns:a16="http://schemas.microsoft.com/office/drawing/2014/main" id="{55D50F46-B25B-4E4C-8E26-890CEB7C8684}"/>
+                <a16:creationId xmlns:a16="http://schemas.microsoft.com/office/drawing/2014/main" xmlns="" id="{55D50F46-B25B-4E4C-8E26-890CEB7C8684}"/>
               </a:ext>
             </a:extLst>
           </p:cNvPr>
@@ -7407,7 +7417,7 @@
           <p:cNvPr id="5" name="Picture 5">
             <a:extLst>
               <a:ext uri="{FF2B5EF4-FFF2-40B4-BE49-F238E27FC236}">
-                <a16:creationId xmlns:a16="http://schemas.microsoft.com/office/drawing/2014/main" id="{6AD24FCD-92FB-4BC1-88B5-3BE086145E90}"/>
+                <a16:creationId xmlns:a16="http://schemas.microsoft.com/office/drawing/2014/main" xmlns="" id="{6AD24FCD-92FB-4BC1-88B5-3BE086145E90}"/>
               </a:ext>
             </a:extLst>
           </p:cNvPr>
@@ -7443,7 +7453,7 @@
           <p:cNvPr id="6" name="Conector de Seta Reta 5">
             <a:extLst>
               <a:ext uri="{FF2B5EF4-FFF2-40B4-BE49-F238E27FC236}">
-                <a16:creationId xmlns:a16="http://schemas.microsoft.com/office/drawing/2014/main" id="{E169E614-5B9D-4993-B1E4-A316946BF9C1}"/>
+                <a16:creationId xmlns:a16="http://schemas.microsoft.com/office/drawing/2014/main" xmlns="" id="{E169E614-5B9D-4993-B1E4-A316946BF9C1}"/>
               </a:ext>
             </a:extLst>
           </p:cNvPr>
@@ -7482,7 +7492,7 @@
           <p:cNvPr id="3" name="CaixaDeTexto 2">
             <a:extLst>
               <a:ext uri="{FF2B5EF4-FFF2-40B4-BE49-F238E27FC236}">
-                <a16:creationId xmlns:a16="http://schemas.microsoft.com/office/drawing/2014/main" id="{EB3FBFAF-D2DC-43F6-B1A5-853C1A2CDB54}"/>
+                <a16:creationId xmlns:a16="http://schemas.microsoft.com/office/drawing/2014/main" xmlns="" id="{EB3FBFAF-D2DC-43F6-B1A5-853C1A2CDB54}"/>
               </a:ext>
             </a:extLst>
           </p:cNvPr>
@@ -7552,7 +7562,7 @@
           <p:cNvPr id="2" name="Título 1">
             <a:extLst>
               <a:ext uri="{FF2B5EF4-FFF2-40B4-BE49-F238E27FC236}">
-                <a16:creationId xmlns:a16="http://schemas.microsoft.com/office/drawing/2014/main" id="{DD89D0A4-246C-4492-AD92-0E7516FDC7B4}"/>
+                <a16:creationId xmlns:a16="http://schemas.microsoft.com/office/drawing/2014/main" xmlns="" id="{DD89D0A4-246C-4492-AD92-0E7516FDC7B4}"/>
               </a:ext>
             </a:extLst>
           </p:cNvPr>
@@ -7617,7 +7627,7 @@
           <p:cNvPr id="4" name="Content Placeholder 3">
             <a:extLst>
               <a:ext uri="{FF2B5EF4-FFF2-40B4-BE49-F238E27FC236}">
-                <a16:creationId xmlns:a16="http://schemas.microsoft.com/office/drawing/2014/main" id="{55D50F46-B25B-4E4C-8E26-890CEB7C8684}"/>
+                <a16:creationId xmlns:a16="http://schemas.microsoft.com/office/drawing/2014/main" xmlns="" id="{55D50F46-B25B-4E4C-8E26-890CEB7C8684}"/>
               </a:ext>
             </a:extLst>
           </p:cNvPr>
@@ -7653,7 +7663,7 @@
           <p:cNvPr id="5" name="Picture 5">
             <a:extLst>
               <a:ext uri="{FF2B5EF4-FFF2-40B4-BE49-F238E27FC236}">
-                <a16:creationId xmlns:a16="http://schemas.microsoft.com/office/drawing/2014/main" id="{6AD24FCD-92FB-4BC1-88B5-3BE086145E90}"/>
+                <a16:creationId xmlns:a16="http://schemas.microsoft.com/office/drawing/2014/main" xmlns="" id="{6AD24FCD-92FB-4BC1-88B5-3BE086145E90}"/>
               </a:ext>
             </a:extLst>
           </p:cNvPr>
@@ -7689,7 +7699,7 @@
           <p:cNvPr id="6" name="Conector de Seta Reta 5">
             <a:extLst>
               <a:ext uri="{FF2B5EF4-FFF2-40B4-BE49-F238E27FC236}">
-                <a16:creationId xmlns:a16="http://schemas.microsoft.com/office/drawing/2014/main" id="{E169E614-5B9D-4993-B1E4-A316946BF9C1}"/>
+                <a16:creationId xmlns:a16="http://schemas.microsoft.com/office/drawing/2014/main" xmlns="" id="{E169E614-5B9D-4993-B1E4-A316946BF9C1}"/>
               </a:ext>
             </a:extLst>
           </p:cNvPr>
@@ -7730,7 +7740,7 @@
           <p:cNvPr id="3" name="CaixaDeTexto 2">
             <a:extLst>
               <a:ext uri="{FF2B5EF4-FFF2-40B4-BE49-F238E27FC236}">
-                <a16:creationId xmlns:a16="http://schemas.microsoft.com/office/drawing/2014/main" id="{EB3FBFAF-D2DC-43F6-B1A5-853C1A2CDB54}"/>
+                <a16:creationId xmlns:a16="http://schemas.microsoft.com/office/drawing/2014/main" xmlns="" id="{EB3FBFAF-D2DC-43F6-B1A5-853C1A2CDB54}"/>
               </a:ext>
             </a:extLst>
           </p:cNvPr>
@@ -7800,7 +7810,7 @@
           <p:cNvPr id="2" name="Título 1">
             <a:extLst>
               <a:ext uri="{FF2B5EF4-FFF2-40B4-BE49-F238E27FC236}">
-                <a16:creationId xmlns:a16="http://schemas.microsoft.com/office/drawing/2014/main" id="{DD89D0A4-246C-4492-AD92-0E7516FDC7B4}"/>
+                <a16:creationId xmlns:a16="http://schemas.microsoft.com/office/drawing/2014/main" xmlns="" id="{DD89D0A4-246C-4492-AD92-0E7516FDC7B4}"/>
               </a:ext>
             </a:extLst>
           </p:cNvPr>
@@ -7844,7 +7854,7 @@
           <p:cNvPr id="4" name="Content Placeholder 3">
             <a:extLst>
               <a:ext uri="{FF2B5EF4-FFF2-40B4-BE49-F238E27FC236}">
-                <a16:creationId xmlns:a16="http://schemas.microsoft.com/office/drawing/2014/main" id="{55D50F46-B25B-4E4C-8E26-890CEB7C8684}"/>
+                <a16:creationId xmlns:a16="http://schemas.microsoft.com/office/drawing/2014/main" xmlns="" id="{55D50F46-B25B-4E4C-8E26-890CEB7C8684}"/>
               </a:ext>
             </a:extLst>
           </p:cNvPr>
@@ -7880,7 +7890,7 @@
           <p:cNvPr id="7" name="CaixaDeTexto 6">
             <a:extLst>
               <a:ext uri="{FF2B5EF4-FFF2-40B4-BE49-F238E27FC236}">
-                <a16:creationId xmlns:a16="http://schemas.microsoft.com/office/drawing/2014/main" id="{373BB344-1F68-4305-B068-0B4247A4CB34}"/>
+                <a16:creationId xmlns:a16="http://schemas.microsoft.com/office/drawing/2014/main" xmlns="" id="{373BB344-1F68-4305-B068-0B4247A4CB34}"/>
               </a:ext>
             </a:extLst>
           </p:cNvPr>
@@ -7923,7 +7933,7 @@
           <p:cNvPr id="9" name="Imagem 8">
             <a:extLst>
               <a:ext uri="{FF2B5EF4-FFF2-40B4-BE49-F238E27FC236}">
-                <a16:creationId xmlns:a16="http://schemas.microsoft.com/office/drawing/2014/main" id="{063B2445-AF77-408F-B06D-A2C548EF7A47}"/>
+                <a16:creationId xmlns:a16="http://schemas.microsoft.com/office/drawing/2014/main" xmlns="" id="{063B2445-AF77-408F-B06D-A2C548EF7A47}"/>
               </a:ext>
             </a:extLst>
           </p:cNvPr>
@@ -7959,7 +7969,7 @@
           <p:cNvPr id="10" name="CaixaDeTexto 9">
             <a:extLst>
               <a:ext uri="{FF2B5EF4-FFF2-40B4-BE49-F238E27FC236}">
-                <a16:creationId xmlns:a16="http://schemas.microsoft.com/office/drawing/2014/main" id="{95C6EABC-B5E2-4F89-A395-73537EE6E883}"/>
+                <a16:creationId xmlns:a16="http://schemas.microsoft.com/office/drawing/2014/main" xmlns="" id="{95C6EABC-B5E2-4F89-A395-73537EE6E883}"/>
               </a:ext>
             </a:extLst>
           </p:cNvPr>
@@ -7999,13 +8009,7 @@
       </p:sp>
       <p:pic>
         <p:nvPicPr>
-          <p:cNvPr id="12" name="Imagem 11">
-            <a:extLst>
-              <a:ext uri="{FF2B5EF4-FFF2-40B4-BE49-F238E27FC236}">
-                <a16:creationId xmlns:a16="http://schemas.microsoft.com/office/drawing/2014/main" id="{1241498A-C004-4F78-A24B-5A78FC2FDBE1}"/>
-              </a:ext>
-            </a:extLst>
-          </p:cNvPr>
+          <p:cNvPr id="3" name="Picture 2"/>
           <p:cNvPicPr>
             <a:picLocks noChangeAspect="1"/>
           </p:cNvPicPr>
@@ -8025,8 +8029,8 @@
         </p:blipFill>
         <p:spPr>
           <a:xfrm>
-            <a:off x="1149292" y="5140403"/>
-            <a:ext cx="2533650" cy="609600"/>
+            <a:off x="1149292" y="5003555"/>
+            <a:ext cx="8027420" cy="1514475"/>
           </a:xfrm>
           <a:prstGeom prst="rect">
             <a:avLst/>
@@ -8297,7 +8301,7 @@
   <a:extraClrSchemeLst/>
   <a:extLst>
     <a:ext uri="{05A4C25C-085E-4340-85A3-A5531E510DB2}">
-      <thm15:themeFamily xmlns:thm15="http://schemas.microsoft.com/office/thememl/2012/main" name="Facet" id="{C0C680CD-088A-49FC-A102-D699147F32B2}" vid="{0B5AB586-D108-4FC1-8368-649FE654B894}"/>
+      <thm15:themeFamily xmlns:thm15="http://schemas.microsoft.com/office/thememl/2012/main" xmlns="" name="Facet" id="{C0C680CD-088A-49FC-A102-D699147F32B2}" vid="{0B5AB586-D108-4FC1-8368-649FE654B894}"/>
     </a:ext>
   </a:extLst>
 </a:theme>
